--- a/Presentation/Team 3 project plan1.pptx
+++ b/Presentation/Team 3 project plan1.pptx
@@ -3315,8 +3315,14 @@
             </a:pPr>
             <a:r>
               <a:rPr lang="en-US" dirty="0" smtClean="0"/>
-              <a:t>Create a cutting edge innovative project management software tool to allow small to medium sized companies to keep track of ongoing projects, employees, and costs. This tool shall allow the company to perform resource tracking, produce cost reports, and velocity tracking.  This system will be developed by a small agile team consisting of three hard working developers.</a:t>
-            </a:r>
+              <a:t>The project will be developed using staged delivery, which will be broken down into three increments at each producing a functioning prototype.</a:t>
+            </a:r>
+          </a:p>
+          <a:p>
+            <a:pPr marL="114300" indent="0">
+              <a:buNone/>
+            </a:pPr>
+            <a:endParaRPr lang="en-US" dirty="0" smtClean="0"/>
           </a:p>
           <a:p>
             <a:pPr marL="114300" indent="0">
@@ -3403,41 +3409,64 @@
           <a:p>
             <a:r>
               <a:rPr lang="en-US" dirty="0" smtClean="0"/>
-              <a:t>Microsoft Project</a:t>
+              <a:t>Inception </a:t>
             </a:r>
           </a:p>
           <a:p>
             <a:r>
               <a:rPr lang="en-US" dirty="0" smtClean="0"/>
-              <a:t>Green Hoper</a:t>
-            </a:r>
-          </a:p>
-          <a:p>
+              <a:t>Database</a:t>
+            </a:r>
+            <a:r>
+              <a:rPr lang="en-US" dirty="0"/>
+              <a:t> </a:t>
+            </a:r>
             <a:r>
               <a:rPr lang="en-US" dirty="0" smtClean="0"/>
-              <a:t>Excel</a:t>
-            </a:r>
-          </a:p>
-          <a:p>
-            <a:r>
-              <a:rPr lang="en-US" dirty="0" err="1" smtClean="0"/>
-              <a:t>Agilefant</a:t>
-            </a:r>
-            <a:endParaRPr lang="en-US" dirty="0" smtClean="0"/>
-          </a:p>
-          <a:p>
-            <a:r>
-              <a:rPr lang="en-US" dirty="0" err="1" smtClean="0"/>
-              <a:t>VersionOne</a:t>
-            </a:r>
-            <a:endParaRPr lang="en-US" dirty="0" smtClean="0"/>
+              <a:t>Design</a:t>
+            </a:r>
           </a:p>
           <a:p>
             <a:r>
               <a:rPr lang="en-US" dirty="0" smtClean="0"/>
-              <a:t>Open Workbench </a:t>
-            </a:r>
-            <a:endParaRPr lang="en-US" dirty="0"/>
+              <a:t>Rough Interface</a:t>
+            </a:r>
+          </a:p>
+          <a:p>
+            <a:r>
+              <a:rPr lang="en-US" dirty="0" smtClean="0"/>
+              <a:t>User Creation</a:t>
+            </a:r>
+          </a:p>
+          <a:p>
+            <a:r>
+              <a:rPr lang="en-US" dirty="0" smtClean="0"/>
+              <a:t>Login</a:t>
+            </a:r>
+          </a:p>
+          <a:p>
+            <a:r>
+              <a:rPr lang="en-US" dirty="0" smtClean="0"/>
+              <a:t>Role Creation</a:t>
+            </a:r>
+          </a:p>
+          <a:p>
+            <a:r>
+              <a:rPr lang="en-US" dirty="0" smtClean="0"/>
+              <a:t>User Management</a:t>
+            </a:r>
+          </a:p>
+          <a:p>
+            <a:r>
+              <a:rPr lang="en-US" dirty="0" smtClean="0"/>
+              <a:t>Role Management </a:t>
+            </a:r>
+          </a:p>
+          <a:p>
+            <a:r>
+              <a:rPr lang="en-US" dirty="0" smtClean="0"/>
+              <a:t>Company Properties</a:t>
+            </a:r>
           </a:p>
         </p:txBody>
       </p:sp>
@@ -3524,81 +3553,50 @@
           <a:p>
             <a:r>
               <a:rPr lang="en-US" dirty="0" smtClean="0"/>
-              <a:t>Multiple projects</a:t>
+              <a:t>Project Creation</a:t>
             </a:r>
           </a:p>
           <a:p>
             <a:r>
               <a:rPr lang="en-US" dirty="0" smtClean="0"/>
-              <a:t>Tracking</a:t>
-            </a:r>
-          </a:p>
-          <a:p>
-            <a:pPr marL="411480" lvl="1" indent="0">
-              <a:buNone/>
-            </a:pPr>
+              <a:t>Project Management</a:t>
+            </a:r>
+          </a:p>
+          <a:p>
             <a:r>
               <a:rPr lang="en-US" dirty="0" smtClean="0"/>
-              <a:t>	Cost</a:t>
-            </a:r>
-          </a:p>
-          <a:p>
-            <a:pPr marL="411480" lvl="1" indent="0">
-              <a:buNone/>
-            </a:pPr>
+              <a:t>Epic Creation</a:t>
+            </a:r>
+          </a:p>
+          <a:p>
             <a:r>
               <a:rPr lang="en-US" dirty="0" smtClean="0"/>
-              <a:t>	Hours</a:t>
-            </a:r>
-          </a:p>
-          <a:p>
-            <a:pPr marL="411480" lvl="1" indent="0">
-              <a:buNone/>
-            </a:pPr>
+              <a:t>Epic Management</a:t>
+            </a:r>
+          </a:p>
+          <a:p>
             <a:r>
               <a:rPr lang="en-US" dirty="0" smtClean="0"/>
-              <a:t>	Velocity (Sprint Management)</a:t>
-            </a:r>
-          </a:p>
-          <a:p>
-            <a:pPr marL="411480" lvl="1" indent="0">
-              <a:buNone/>
-            </a:pPr>
-            <a:r>
-              <a:rPr lang="en-US" dirty="0"/>
-              <a:t>	</a:t>
-            </a:r>
+              <a:t>Story Creation</a:t>
+            </a:r>
+          </a:p>
+          <a:p>
             <a:r>
               <a:rPr lang="en-US" dirty="0" smtClean="0"/>
-              <a:t>Employees</a:t>
-            </a:r>
-          </a:p>
-          <a:p>
-            <a:pPr marL="342900" lvl="1">
-              <a:buClr>
-                <a:schemeClr val="accent1"/>
-              </a:buClr>
-            </a:pPr>
-            <a:r>
-              <a:rPr lang="en-US" sz="2200" dirty="0"/>
-              <a:t>Aggregate Reporting across multiple projects</a:t>
-            </a:r>
-          </a:p>
-          <a:p>
-            <a:pPr marL="411480" lvl="1" indent="0">
-              <a:buNone/>
-            </a:pPr>
-            <a:r>
-              <a:rPr lang="en-US" dirty="0"/>
-              <a:t>	</a:t>
-            </a:r>
-            <a:endParaRPr lang="en-US" dirty="0" smtClean="0"/>
-          </a:p>
-          <a:p>
-            <a:pPr marL="411480" lvl="1" indent="0">
-              <a:buNone/>
-            </a:pPr>
-            <a:endParaRPr lang="en-US" dirty="0"/>
+              <a:t>Story Management</a:t>
+            </a:r>
+          </a:p>
+          <a:p>
+            <a:r>
+              <a:rPr lang="en-US" dirty="0" smtClean="0"/>
+              <a:t>Work Recording</a:t>
+            </a:r>
+          </a:p>
+          <a:p>
+            <a:r>
+              <a:rPr lang="en-US" dirty="0" smtClean="0"/>
+              <a:t>Work Management</a:t>
+            </a:r>
           </a:p>
         </p:txBody>
       </p:sp>
@@ -3679,34 +3677,30 @@
           <a:p>
             <a:r>
               <a:rPr lang="en-US" dirty="0" smtClean="0"/>
-              <a:t>Unlike most popular project management tools suck as MS Project and Open Workbench</a:t>
+              <a:t>Reports</a:t>
             </a:r>
           </a:p>
           <a:p>
             <a:pPr lvl="1"/>
             <a:r>
               <a:rPr lang="en-US" dirty="0" smtClean="0"/>
-              <a:t>Easy to use</a:t>
+              <a:t>Design Layout</a:t>
             </a:r>
           </a:p>
           <a:p>
             <a:pPr lvl="1"/>
             <a:r>
               <a:rPr lang="en-US" dirty="0" smtClean="0"/>
-              <a:t>Made for small to medium sized companies</a:t>
+              <a:t>Implement SQL</a:t>
             </a:r>
           </a:p>
           <a:p>
             <a:pPr lvl="1"/>
             <a:r>
-              <a:rPr lang="en-US" dirty="0" smtClean="0"/>
-              <a:t>Core functionality without all </a:t>
-            </a:r>
-            <a:r>
-              <a:rPr lang="en-US" smtClean="0"/>
-              <a:t>the fluff</a:t>
-            </a:r>
-            <a:endParaRPr lang="en-US"/>
+              <a:rPr lang="en-US" smtClean="0"/>
+              <a:t>Build Visualization</a:t>
+            </a:r>
+            <a:endParaRPr lang="en-US" dirty="0"/>
           </a:p>
         </p:txBody>
       </p:sp>
